--- a/InitialisationPrésentationGroupe12.pptx
+++ b/InitialisationPrésentationGroupe12.pptx
@@ -5723,7 +5723,35 @@
                 <a:effectLst/>
                 <a:latin typeface="Consolas" panose="020B0609020204030204" pitchFamily="49" charset="0"/>
               </a:rPr>
-              <a:t>Thomas Vermot : thomas.vermot02@edu.univ-fcomte.fr</a:t>
+              <a:t>Thomas Vermot : </a:t>
+            </a:r>
+            <a:r>
+              <a:rPr lang="de-DE" sz="2400" b="0" dirty="0">
+                <a:effectLst/>
+                <a:latin typeface="Consolas" panose="020B0609020204030204" pitchFamily="49" charset="0"/>
+                <a:hlinkClick r:id="rId3"/>
+              </a:rPr>
+              <a:t>thomas.vermot02@edu.univ-fcomte.fr</a:t>
+            </a:r>
+            <a:endParaRPr lang="de-DE" sz="2400" b="0" dirty="0">
+              <a:effectLst/>
+              <a:latin typeface="Consolas" panose="020B0609020204030204" pitchFamily="49" charset="0"/>
+            </a:endParaRPr>
+          </a:p>
+          <a:p>
+            <a:r>
+              <a:rPr lang="fr-FR" sz="2400" b="0" dirty="0" err="1">
+                <a:effectLst/>
+                <a:latin typeface="Consolas" panose="020B0609020204030204" pitchFamily="49" charset="0"/>
+              </a:rPr>
+              <a:t>Github</a:t>
+            </a:r>
+            <a:r>
+              <a:rPr lang="fr-FR" sz="2400" b="0">
+                <a:effectLst/>
+                <a:latin typeface="Consolas" panose="020B0609020204030204" pitchFamily="49" charset="0"/>
+              </a:rPr>
+              <a:t> : https://github.com/smaugue/SAE2.3</a:t>
             </a:r>
             <a:endParaRPr lang="fr-FR" sz="2400" b="0" dirty="0">
               <a:effectLst/>
@@ -6644,7 +6672,7 @@
           <a:p>
             <a:r>
               <a:rPr lang="fr-FR" dirty="0"/>
-              <a:t>Planning : </a:t>
+              <a:t>Time line : </a:t>
             </a:r>
           </a:p>
           <a:p>
